--- a/DigiCosme_research_days/DigiCosme-Presentation.pptx
+++ b/DigiCosme_research_days/DigiCosme-Presentation.pptx
@@ -5,7 +5,7 @@
     <p:sldMasterId id="2147483648" r:id="rId1"/>
   </p:sldMasterIdLst>
   <p:notesMasterIdLst>
-    <p:notesMasterId r:id="rId11"/>
+    <p:notesMasterId r:id="rId12"/>
   </p:notesMasterIdLst>
   <p:sldIdLst>
     <p:sldId id="256" r:id="rId2"/>
@@ -17,6 +17,7 @@
     <p:sldId id="262" r:id="rId8"/>
     <p:sldId id="263" r:id="rId9"/>
     <p:sldId id="264" r:id="rId10"/>
+    <p:sldId id="265" r:id="rId11"/>
   </p:sldIdLst>
   <p:sldSz cx="18288000" cy="10287000"/>
   <p:notesSz cx="18288000" cy="10287000"/>
@@ -142,6 +143,14 @@
     </p:ext>
   </p:extLst>
 </p:presentation>
+</file>
+
+<file path=ppt/revisionInfo.xml><?xml version="1.0" encoding="utf-8"?>
+<p1510:revInfo xmlns:a="http://schemas.openxmlformats.org/drawingml/2006/main" xmlns:r="http://schemas.openxmlformats.org/officeDocument/2006/relationships" xmlns:p1510="http://schemas.microsoft.com/office/powerpoint/2015/10/main">
+  <p1510:revLst>
+    <p1510:client id="{EC47F8B5-1398-4E08-8A06-8CD6FC07285A}" v="126" dt="2020-11-01T17:43:46.363"/>
+  </p1510:revLst>
+</p1510:revInfo>
 </file>
 
 <file path=ppt/notesMasters/notesMaster1.xml><?xml version="1.0" encoding="utf-8"?>
@@ -2950,6 +2959,362 @@
   <p:clrMapOvr>
     <a:masterClrMapping/>
   </p:clrMapOvr>
+</p:sld>
+</file>
+
+<file path=ppt/slides/slide10.xml><?xml version="1.0" encoding="utf-8"?>
+<p:sld xmlns:a="http://schemas.openxmlformats.org/drawingml/2006/main" xmlns:r="http://schemas.openxmlformats.org/officeDocument/2006/relationships" xmlns:p="http://schemas.openxmlformats.org/presentationml/2006/main" showMasterSp="0">
+  <p:cSld>
+    <p:spTree>
+      <p:nvGrpSpPr>
+        <p:cNvPr id="1" name=""/>
+        <p:cNvGrpSpPr/>
+        <p:nvPr/>
+      </p:nvGrpSpPr>
+      <p:grpSpPr>
+        <a:xfrm>
+          <a:off x="0" y="0"/>
+          <a:ext cx="0" cy="0"/>
+          <a:chOff x="0" y="0"/>
+          <a:chExt cx="0" cy="0"/>
+        </a:xfrm>
+      </p:grpSpPr>
+      <p:sp>
+        <p:nvSpPr>
+          <p:cNvPr id="5" name="Slide Number Placeholder 4">
+            <a:extLst>
+              <a:ext uri="{FF2B5EF4-FFF2-40B4-BE49-F238E27FC236}">
+                <a16:creationId xmlns:a16="http://schemas.microsoft.com/office/drawing/2014/main" id="{74463AB5-CBC0-4CA4-AC0D-D5FEAED0D330}"/>
+              </a:ext>
+            </a:extLst>
+          </p:cNvPr>
+          <p:cNvSpPr>
+            <a:spLocks noGrp="1"/>
+          </p:cNvSpPr>
+          <p:nvPr>
+            <p:ph type="sldNum" sz="quarter" idx="7"/>
+          </p:nvPr>
+        </p:nvSpPr>
+        <p:spPr>
+          <a:xfrm>
+            <a:off x="13167361" y="9566910"/>
+            <a:ext cx="4206240" cy="430887"/>
+          </a:xfrm>
+        </p:spPr>
+        <p:txBody>
+          <a:bodyPr/>
+          <a:lstStyle/>
+          <a:p>
+            <a:fld id="{B6F15528-21DE-4FAA-801E-634DDDAF4B2B}" type="slidenum">
+              <a:rPr lang="en-US" sz="2800" smtClean="0">
+                <a:ln w="0"/>
+                <a:solidFill>
+                  <a:schemeClr val="tx1"/>
+                </a:solidFill>
+                <a:effectLst>
+                  <a:outerShdw blurRad="38100" dist="19050" dir="2700000" algn="tl" rotWithShape="0">
+                    <a:schemeClr val="dk1">
+                      <a:alpha val="40000"/>
+                    </a:schemeClr>
+                  </a:outerShdw>
+                </a:effectLst>
+              </a:rPr>
+              <a:t>10</a:t>
+            </a:fld>
+            <a:endParaRPr lang="en-US" sz="2800" dirty="0">
+              <a:ln w="0"/>
+              <a:solidFill>
+                <a:schemeClr val="tx1"/>
+              </a:solidFill>
+              <a:effectLst>
+                <a:outerShdw blurRad="38100" dist="19050" dir="2700000" algn="tl" rotWithShape="0">
+                  <a:schemeClr val="dk1">
+                    <a:alpha val="40000"/>
+                  </a:schemeClr>
+                </a:outerShdw>
+              </a:effectLst>
+            </a:endParaRPr>
+          </a:p>
+        </p:txBody>
+      </p:sp>
+      <p:sp>
+        <p:nvSpPr>
+          <p:cNvPr id="12" name="object 6">
+            <a:extLst>
+              <a:ext uri="{FF2B5EF4-FFF2-40B4-BE49-F238E27FC236}">
+                <a16:creationId xmlns:a16="http://schemas.microsoft.com/office/drawing/2014/main" id="{166A9EE3-4B36-4A9D-A82B-F0731C82BE50}"/>
+              </a:ext>
+            </a:extLst>
+          </p:cNvPr>
+          <p:cNvSpPr/>
+          <p:nvPr/>
+        </p:nvSpPr>
+        <p:spPr>
+          <a:xfrm>
+            <a:off x="0" y="9258300"/>
+            <a:ext cx="2238658" cy="1028700"/>
+          </a:xfrm>
+          <a:prstGeom prst="rect">
+            <a:avLst/>
+          </a:prstGeom>
+          <a:blipFill>
+            <a:blip r:embed="rId2" cstate="print"/>
+            <a:stretch>
+              <a:fillRect/>
+            </a:stretch>
+          </a:blipFill>
+        </p:spPr>
+        <p:txBody>
+          <a:bodyPr wrap="square" lIns="0" tIns="0" rIns="0" bIns="0" rtlCol="0"/>
+          <a:lstStyle/>
+          <a:p>
+            <a:endParaRPr/>
+          </a:p>
+        </p:txBody>
+      </p:sp>
+      <p:sp>
+        <p:nvSpPr>
+          <p:cNvPr id="15" name="TextBox 14">
+            <a:extLst>
+              <a:ext uri="{FF2B5EF4-FFF2-40B4-BE49-F238E27FC236}">
+                <a16:creationId xmlns:a16="http://schemas.microsoft.com/office/drawing/2014/main" id="{66BF2EC9-30D7-4BF0-866E-6A3FABE16ABE}"/>
+              </a:ext>
+            </a:extLst>
+          </p:cNvPr>
+          <p:cNvSpPr txBox="1"/>
+          <p:nvPr/>
+        </p:nvSpPr>
+        <p:spPr>
+          <a:xfrm>
+            <a:off x="1371600" y="619661"/>
+            <a:ext cx="15544800" cy="1323439"/>
+          </a:xfrm>
+          <a:prstGeom prst="rect">
+            <a:avLst/>
+          </a:prstGeom>
+          <a:noFill/>
+        </p:spPr>
+        <p:txBody>
+          <a:bodyPr wrap="square" lIns="91440" tIns="45720" rIns="91440" bIns="45720" rtlCol="0" anchor="t">
+            <a:spAutoFit/>
+          </a:bodyPr>
+          <a:lstStyle/>
+          <a:p>
+            <a:r>
+              <a:rPr lang="en-US" sz="8000" dirty="0"/>
+              <a:t>Objectives and Challenges</a:t>
+            </a:r>
+            <a:endParaRPr lang="ar-SA" dirty="0"/>
+          </a:p>
+        </p:txBody>
+      </p:sp>
+      <p:sp>
+        <p:nvSpPr>
+          <p:cNvPr id="16" name="TextBox 15">
+            <a:extLst>
+              <a:ext uri="{FF2B5EF4-FFF2-40B4-BE49-F238E27FC236}">
+                <a16:creationId xmlns:a16="http://schemas.microsoft.com/office/drawing/2014/main" id="{6F7CF51A-28A8-4B3D-B578-350126D6E88B}"/>
+              </a:ext>
+            </a:extLst>
+          </p:cNvPr>
+          <p:cNvSpPr txBox="1"/>
+          <p:nvPr/>
+        </p:nvSpPr>
+        <p:spPr>
+          <a:xfrm>
+            <a:off x="1371600" y="2467639"/>
+            <a:ext cx="15544800" cy="4801314"/>
+          </a:xfrm>
+          <a:prstGeom prst="rect">
+            <a:avLst/>
+          </a:prstGeom>
+          <a:noFill/>
+        </p:spPr>
+        <p:txBody>
+          <a:bodyPr wrap="square" lIns="91440" tIns="45720" rIns="91440" bIns="45720" rtlCol="0" anchor="t">
+            <a:spAutoFit/>
+          </a:bodyPr>
+          <a:lstStyle/>
+          <a:p>
+            <a:pPr>
+              <a:buFont typeface="Arial" panose="020B0604020202020204" pitchFamily="34" charset="0"/>
+              <a:buChar char="•"/>
+            </a:pPr>
+            <a:r>
+              <a:rPr lang="en-US" sz="3600" dirty="0">
+                <a:ea typeface="+mn-lt"/>
+                <a:cs typeface="+mn-lt"/>
+              </a:rPr>
+              <a:t> A life-long learning algorithm, uses symbolic analysis for efficient hierarchical learning.</a:t>
+            </a:r>
+            <a:br>
+              <a:rPr lang="en-US" sz="3600" dirty="0">
+                <a:ea typeface="+mn-lt"/>
+                <a:cs typeface="+mn-lt"/>
+              </a:rPr>
+            </a:br>
+            <a:endParaRPr lang="en-US">
+              <a:cs typeface="Calibri"/>
+            </a:endParaRPr>
+          </a:p>
+          <a:p>
+            <a:pPr>
+              <a:buFont typeface="Arial" panose="020B0604020202020204" pitchFamily="34" charset="0"/>
+              <a:buChar char="•"/>
+            </a:pPr>
+            <a:r>
+              <a:rPr lang="en-US" sz="3600" dirty="0">
+                <a:ea typeface="+mn-lt"/>
+                <a:cs typeface="+mn-lt"/>
+              </a:rPr>
+              <a:t> Novel abstract domains (for abstract interpretation); exploring the trade-offs between precision and computational cost.</a:t>
+            </a:r>
+            <a:br>
+              <a:rPr lang="en-US" sz="3600" dirty="0">
+                <a:ea typeface="+mn-lt"/>
+                <a:cs typeface="+mn-lt"/>
+              </a:rPr>
+            </a:br>
+            <a:endParaRPr lang="en-US" dirty="0">
+              <a:cs typeface="Calibri"/>
+            </a:endParaRPr>
+          </a:p>
+          <a:p>
+            <a:pPr>
+              <a:buFont typeface="Arial" panose="020B0604020202020204" pitchFamily="34" charset="0"/>
+              <a:buChar char="•"/>
+            </a:pPr>
+            <a:r>
+              <a:rPr lang="en-US" sz="3600" dirty="0">
+                <a:ea typeface="+mn-lt"/>
+                <a:cs typeface="+mn-lt"/>
+              </a:rPr>
+              <a:t> Novel algorithms for efficient planning in goal oriented hierarchical structures.</a:t>
+            </a:r>
+            <a:br>
+              <a:rPr lang="en-US" sz="3600" dirty="0">
+                <a:ea typeface="+mn-lt"/>
+                <a:cs typeface="+mn-lt"/>
+              </a:rPr>
+            </a:br>
+            <a:endParaRPr lang="en-US" dirty="0">
+              <a:cs typeface="Calibri"/>
+            </a:endParaRPr>
+          </a:p>
+          <a:p>
+            <a:pPr>
+              <a:buFont typeface="Arial" panose="020B0604020202020204" pitchFamily="34" charset="0"/>
+              <a:buChar char="•"/>
+            </a:pPr>
+            <a:r>
+              <a:rPr lang="en-US" sz="3600" dirty="0">
+                <a:ea typeface="+mn-lt"/>
+                <a:cs typeface="+mn-lt"/>
+              </a:rPr>
+              <a:t> Experiments in simulation, and with real-world robots (mobile robots, manipulators), gradually increasing the complexity of the environment.</a:t>
+            </a:r>
+          </a:p>
+        </p:txBody>
+      </p:sp>
+    </p:spTree>
+    <p:extLst>
+      <p:ext uri="{BB962C8B-B14F-4D97-AF65-F5344CB8AC3E}">
+        <p14:creationId xmlns:p14="http://schemas.microsoft.com/office/powerpoint/2010/main" val="1595033472"/>
+      </p:ext>
+    </p:extLst>
+  </p:cSld>
+  <p:clrMapOvr>
+    <a:masterClrMapping/>
+  </p:clrMapOvr>
+  <p:transition spd="slow">
+    <p:wipe/>
+  </p:transition>
+  <p:timing>
+    <p:tnLst>
+      <p:par>
+        <p:cTn id="1" dur="indefinite" restart="never" nodeType="tmRoot">
+          <p:childTnLst>
+            <p:seq concurrent="1" nextAc="seek">
+              <p:cTn id="2" dur="indefinite" nodeType="mainSeq">
+                <p:childTnLst>
+                  <p:par>
+                    <p:cTn id="3" fill="hold">
+                      <p:stCondLst>
+                        <p:cond delay="indefinite"/>
+                      </p:stCondLst>
+                      <p:childTnLst>
+                        <p:par>
+                          <p:cTn id="4" fill="hold">
+                            <p:stCondLst>
+                              <p:cond delay="0"/>
+                            </p:stCondLst>
+                            <p:childTnLst>
+                              <p:par>
+                                <p:cTn id="5" presetID="10" presetClass="entr" presetSubtype="0" fill="hold" grpId="0" nodeType="clickEffect">
+                                  <p:stCondLst>
+                                    <p:cond delay="0"/>
+                                  </p:stCondLst>
+                                  <p:childTnLst>
+                                    <p:set>
+                                      <p:cBhvr>
+                                        <p:cTn id="6" dur="1" fill="hold">
+                                          <p:stCondLst>
+                                            <p:cond delay="0"/>
+                                          </p:stCondLst>
+                                        </p:cTn>
+                                        <p:tgtEl>
+                                          <p:spTgt spid="16"/>
+                                        </p:tgtEl>
+                                        <p:attrNameLst>
+                                          <p:attrName>style.visibility</p:attrName>
+                                        </p:attrNameLst>
+                                      </p:cBhvr>
+                                      <p:to>
+                                        <p:strVal val="visible"/>
+                                      </p:to>
+                                    </p:set>
+                                    <p:animEffect transition="in" filter="fade">
+                                      <p:cBhvr>
+                                        <p:cTn id="7" dur="500"/>
+                                        <p:tgtEl>
+                                          <p:spTgt spid="16"/>
+                                        </p:tgtEl>
+                                      </p:cBhvr>
+                                    </p:animEffect>
+                                  </p:childTnLst>
+                                </p:cTn>
+                              </p:par>
+                            </p:childTnLst>
+                          </p:cTn>
+                        </p:par>
+                      </p:childTnLst>
+                    </p:cTn>
+                  </p:par>
+                </p:childTnLst>
+              </p:cTn>
+              <p:prevCondLst>
+                <p:cond evt="onPrev" delay="0">
+                  <p:tgtEl>
+                    <p:sldTgt/>
+                  </p:tgtEl>
+                </p:cond>
+              </p:prevCondLst>
+              <p:nextCondLst>
+                <p:cond evt="onNext" delay="0">
+                  <p:tgtEl>
+                    <p:sldTgt/>
+                  </p:tgtEl>
+                </p:cond>
+              </p:nextCondLst>
+            </p:seq>
+          </p:childTnLst>
+        </p:cTn>
+      </p:par>
+    </p:tnLst>
+    <p:bldLst>
+      <p:bldP spid="16" grpId="0"/>
+    </p:bldLst>
+  </p:timing>
 </p:sld>
 </file>
 
@@ -5127,7 +5492,7 @@
 </file>
 
 <file path=ppt/slides/slide7.xml><?xml version="1.0" encoding="utf-8"?>
-<p:sld xmlns:a="http://schemas.openxmlformats.org/drawingml/2006/main" xmlns:r="http://schemas.openxmlformats.org/officeDocument/2006/relationships" xmlns:p="http://schemas.openxmlformats.org/presentationml/2006/main" showMasterSp="0">
+<p:sld xmlns:a="http://schemas.openxmlformats.org/drawingml/2006/main" xmlns:r="http://schemas.openxmlformats.org/officeDocument/2006/relationships" xmlns:p="http://schemas.openxmlformats.org/presentationml/2006/main" showMasterSp="0" show="0">
   <p:cSld>
     <p:spTree>
       <p:nvGrpSpPr>
